--- a/1_SQL/2_PPT/28_Index/1_Clustered Index/1_Clustered Index.pptx
+++ b/1_SQL/2_PPT/28_Index/1_Clustered Index/1_Clustered Index.pptx
@@ -5,10 +5,11 @@
     <p:sldMasterId id="2147483648" r:id="rId1"/>
   </p:sldMasterIdLst>
   <p:sldIdLst>
-    <p:sldId id="256" r:id="rId2"/>
-    <p:sldId id="257" r:id="rId3"/>
-    <p:sldId id="258" r:id="rId4"/>
-    <p:sldId id="259" r:id="rId5"/>
+    <p:sldId id="266" r:id="rId2"/>
+    <p:sldId id="256" r:id="rId3"/>
+    <p:sldId id="257" r:id="rId4"/>
+    <p:sldId id="258" r:id="rId5"/>
+    <p:sldId id="259" r:id="rId6"/>
   </p:sldIdLst>
   <p:sldSz cx="12192000" cy="6858000"/>
   <p:notesSz cx="6858000" cy="9144000"/>
@@ -107,6 +108,11 @@
       </a:defRPr>
     </a:lvl9pPr>
   </p:defaultTextStyle>
+  <p:extLst>
+    <p:ext uri="{EFAFB233-063F-42B5-8137-9DF3F51BA10A}">
+      <p15:sldGuideLst xmlns:p15="http://schemas.microsoft.com/office/powerpoint/2012/main"/>
+    </p:ext>
+  </p:extLst>
 </p:presentation>
 </file>
 
@@ -3345,10 +3351,146 @@
           <a:chExt cx="0" cy="0"/>
         </a:xfrm>
       </p:grpSpPr>
+      <p:pic>
+        <p:nvPicPr>
+          <p:cNvPr id="3" name="Picture 2">
+            <a:extLst>
+              <a:ext uri="{FF2B5EF4-FFF2-40B4-BE49-F238E27FC236}">
+                <a16:creationId xmlns:a16="http://schemas.microsoft.com/office/drawing/2014/main" id="{B90606FA-DA4F-4625-BB61-1A21A071B35B}"/>
+              </a:ext>
+            </a:extLst>
+          </p:cNvPr>
+          <p:cNvPicPr>
+            <a:picLocks noChangeAspect="1"/>
+          </p:cNvPicPr>
+          <p:nvPr/>
+        </p:nvPicPr>
+        <p:blipFill rotWithShape="1">
+          <a:blip r:embed="rId2"/>
+          <a:srcRect l="14036" t="24114" r="43588" b="42837"/>
+          <a:stretch/>
+        </p:blipFill>
+        <p:spPr>
+          <a:xfrm>
+            <a:off x="398834" y="107004"/>
+            <a:ext cx="5369669" cy="2617433"/>
+          </a:xfrm>
+          <a:prstGeom prst="rect">
+            <a:avLst/>
+          </a:prstGeom>
+          <a:ln w="15875">
+            <a:solidFill>
+              <a:schemeClr val="tx1"/>
+            </a:solidFill>
+          </a:ln>
+        </p:spPr>
+      </p:pic>
+      <p:pic>
+        <p:nvPicPr>
+          <p:cNvPr id="5" name="Picture 4">
+            <a:extLst>
+              <a:ext uri="{FF2B5EF4-FFF2-40B4-BE49-F238E27FC236}">
+                <a16:creationId xmlns:a16="http://schemas.microsoft.com/office/drawing/2014/main" id="{9F294B95-3D18-4B60-A4CF-E3E22EA8E524}"/>
+              </a:ext>
+            </a:extLst>
+          </p:cNvPr>
+          <p:cNvPicPr>
+            <a:picLocks noChangeAspect="1"/>
+          </p:cNvPicPr>
+          <p:nvPr/>
+        </p:nvPicPr>
+        <p:blipFill rotWithShape="1">
+          <a:blip r:embed="rId3"/>
+          <a:srcRect l="14125" t="28653" r="45331" b="35319"/>
+          <a:stretch/>
+        </p:blipFill>
+        <p:spPr>
+          <a:xfrm>
+            <a:off x="398834" y="2840476"/>
+            <a:ext cx="5369668" cy="2982278"/>
+          </a:xfrm>
+          <a:prstGeom prst="rect">
+            <a:avLst/>
+          </a:prstGeom>
+          <a:ln w="15875">
+            <a:solidFill>
+              <a:schemeClr val="tx1"/>
+            </a:solidFill>
+          </a:ln>
+        </p:spPr>
+      </p:pic>
+      <p:pic>
+        <p:nvPicPr>
+          <p:cNvPr id="7" name="Picture 6">
+            <a:extLst>
+              <a:ext uri="{FF2B5EF4-FFF2-40B4-BE49-F238E27FC236}">
+                <a16:creationId xmlns:a16="http://schemas.microsoft.com/office/drawing/2014/main" id="{164FD8D1-1B3A-4047-A441-FEE90067695A}"/>
+              </a:ext>
+            </a:extLst>
+          </p:cNvPr>
+          <p:cNvPicPr>
+            <a:picLocks noChangeAspect="1"/>
+          </p:cNvPicPr>
+          <p:nvPr/>
+        </p:nvPicPr>
+        <p:blipFill rotWithShape="1">
+          <a:blip r:embed="rId4"/>
+          <a:srcRect l="14036" t="28653" r="44652" b="39726"/>
+          <a:stretch/>
+        </p:blipFill>
+        <p:spPr>
+          <a:xfrm>
+            <a:off x="5894961" y="107004"/>
+            <a:ext cx="5471353" cy="2617432"/>
+          </a:xfrm>
+          <a:prstGeom prst="rect">
+            <a:avLst/>
+          </a:prstGeom>
+          <a:ln w="15875">
+            <a:solidFill>
+              <a:schemeClr val="tx1"/>
+            </a:solidFill>
+          </a:ln>
+        </p:spPr>
+      </p:pic>
+      <p:pic>
+        <p:nvPicPr>
+          <p:cNvPr id="9" name="Picture 8">
+            <a:extLst>
+              <a:ext uri="{FF2B5EF4-FFF2-40B4-BE49-F238E27FC236}">
+                <a16:creationId xmlns:a16="http://schemas.microsoft.com/office/drawing/2014/main" id="{184D3456-63C3-43B4-81A2-1354A99FD02F}"/>
+              </a:ext>
+            </a:extLst>
+          </p:cNvPr>
+          <p:cNvPicPr>
+            <a:picLocks noChangeAspect="1"/>
+          </p:cNvPicPr>
+          <p:nvPr/>
+        </p:nvPicPr>
+        <p:blipFill rotWithShape="1">
+          <a:blip r:embed="rId5"/>
+          <a:srcRect l="14125" t="31348" r="47400" b="35035"/>
+          <a:stretch/>
+        </p:blipFill>
+        <p:spPr>
+          <a:xfrm>
+            <a:off x="5894961" y="2840476"/>
+            <a:ext cx="5471353" cy="2987813"/>
+          </a:xfrm>
+          <a:prstGeom prst="rect">
+            <a:avLst/>
+          </a:prstGeom>
+          <a:ln w="15875">
+            <a:solidFill>
+              <a:schemeClr val="tx1"/>
+            </a:solidFill>
+          </a:ln>
+        </p:spPr>
+      </p:pic>
     </p:spTree>
     <p:extLst>
       <p:ext uri="{BB962C8B-B14F-4D97-AF65-F5344CB8AC3E}">
-        <p14:creationId xmlns:p14="http://schemas.microsoft.com/office/powerpoint/2010/main" val="1356200875"/>
+        <p14:creationId xmlns:p14="http://schemas.microsoft.com/office/powerpoint/2010/main" val="69791553"/>
       </p:ext>
     </p:extLst>
   </p:cSld>
@@ -3378,7 +3520,7 @@
     </p:spTree>
     <p:extLst>
       <p:ext uri="{BB962C8B-B14F-4D97-AF65-F5344CB8AC3E}">
-        <p14:creationId xmlns:p14="http://schemas.microsoft.com/office/powerpoint/2010/main" val="35768103"/>
+        <p14:creationId xmlns:p14="http://schemas.microsoft.com/office/powerpoint/2010/main" val="1356200875"/>
       </p:ext>
     </p:extLst>
   </p:cSld>
@@ -3408,6 +3550,36 @@
     </p:spTree>
     <p:extLst>
       <p:ext uri="{BB962C8B-B14F-4D97-AF65-F5344CB8AC3E}">
+        <p14:creationId xmlns:p14="http://schemas.microsoft.com/office/powerpoint/2010/main" val="35768103"/>
+      </p:ext>
+    </p:extLst>
+  </p:cSld>
+  <p:clrMapOvr>
+    <a:masterClrMapping/>
+  </p:clrMapOvr>
+</p:sld>
+</file>
+
+<file path=ppt/slides/slide4.xml><?xml version="1.0" encoding="utf-8"?>
+<p:sld xmlns:a="http://schemas.openxmlformats.org/drawingml/2006/main" xmlns:r="http://schemas.openxmlformats.org/officeDocument/2006/relationships" xmlns:p="http://schemas.openxmlformats.org/presentationml/2006/main">
+  <p:cSld>
+    <p:spTree>
+      <p:nvGrpSpPr>
+        <p:cNvPr id="1" name=""/>
+        <p:cNvGrpSpPr/>
+        <p:nvPr/>
+      </p:nvGrpSpPr>
+      <p:grpSpPr>
+        <a:xfrm>
+          <a:off x="0" y="0"/>
+          <a:ext cx="0" cy="0"/>
+          <a:chOff x="0" y="0"/>
+          <a:chExt cx="0" cy="0"/>
+        </a:xfrm>
+      </p:grpSpPr>
+    </p:spTree>
+    <p:extLst>
+      <p:ext uri="{BB962C8B-B14F-4D97-AF65-F5344CB8AC3E}">
         <p14:creationId xmlns:p14="http://schemas.microsoft.com/office/powerpoint/2010/main" val="1216901148"/>
       </p:ext>
     </p:extLst>
@@ -3418,7 +3590,7 @@
 </p:sld>
 </file>
 
-<file path=ppt/slides/slide4.xml><?xml version="1.0" encoding="utf-8"?>
+<file path=ppt/slides/slide5.xml><?xml version="1.0" encoding="utf-8"?>
 <p:sld xmlns:a="http://schemas.openxmlformats.org/drawingml/2006/main" xmlns:r="http://schemas.openxmlformats.org/officeDocument/2006/relationships" xmlns:p="http://schemas.openxmlformats.org/presentationml/2006/main">
   <p:cSld>
     <p:spTree>
